--- a/ユーザーテスト設計.pptx
+++ b/ユーザーテスト設計.pptx
@@ -3169,7 +3169,7 @@
         <p:spPr/>
         <p:txBody>
           <a:bodyPr>
-            <a:normAutofit lnSpcReduction="10000"/>
+            <a:normAutofit fontScale="90000" lnSpcReduction="20000"/>
           </a:bodyPr>
           <a:p>
             <a:pPr marL="0" indent="0">
@@ -3188,16 +3188,94 @@
               <a:t>．</a:t>
             </a:r>
             <a:r>
+              <a:rPr lang="en-US" altLang="ja-JP">
+                <a:sym typeface="+mn-ea"/>
+              </a:rPr>
+              <a:t>836</a:t>
+            </a:r>
+            <a:r>
+              <a:rPr lang="ja-JP" altLang="en-US">
+                <a:sym typeface="+mn-ea"/>
+              </a:rPr>
+              <a:t>室で、私たちの</a:t>
+            </a:r>
+            <a:r>
+              <a:rPr lang="en-US" altLang="ja-JP">
+                <a:sym typeface="+mn-ea"/>
+              </a:rPr>
+              <a:t>PC</a:t>
+            </a:r>
+            <a:r>
+              <a:rPr lang="ja-JP" altLang="en-US">
+                <a:sym typeface="+mn-ea"/>
+              </a:rPr>
+              <a:t>、</a:t>
+            </a:r>
+            <a:r>
+              <a:rPr lang="en-US" altLang="ja-JP">
+                <a:sym typeface="+mn-ea"/>
+              </a:rPr>
+              <a:t>1366</a:t>
+            </a:r>
+            <a:r>
+              <a:rPr lang="en-US" altLang="zh-CN">
+                <a:sym typeface="+mn-ea"/>
+              </a:rPr>
+              <a:t>*768</a:t>
+            </a:r>
+            <a:endParaRPr lang="en-US" altLang="zh-CN">
+              <a:sym typeface="+mn-ea"/>
+            </a:endParaRPr>
+          </a:p>
+          <a:p>
+            <a:pPr marL="0" indent="0">
+              <a:buNone/>
+            </a:pPr>
+            <a:endParaRPr lang="en-US" altLang="zh-CN">
+              <a:sym typeface="+mn-ea"/>
+            </a:endParaRPr>
+          </a:p>
+          <a:p>
+            <a:pPr marL="0" indent="0">
+              <a:buNone/>
+            </a:pPr>
+            <a:r>
+              <a:rPr lang="en-US" altLang="zh-CN">
+                <a:sym typeface="+mn-ea"/>
+              </a:rPr>
+              <a:t>2.IROYA</a:t>
+            </a:r>
+            <a:r>
               <a:rPr lang="ja-JP" altLang="zh-CN">
                 <a:sym typeface="+mn-ea"/>
               </a:rPr>
-              <a:t>ホームページから</a:t>
+              <a:t>の</a:t>
+            </a:r>
+            <a:r>
+              <a:rPr lang="en-US" altLang="ja-JP">
+                <a:sym typeface="+mn-ea"/>
+              </a:rPr>
+              <a:t>TOP</a:t>
+            </a:r>
+            <a:r>
+              <a:rPr lang="ja-JP" altLang="zh-CN">
+                <a:sym typeface="+mn-ea"/>
+              </a:rPr>
+              <a:t>ページから</a:t>
             </a:r>
             <a:r>
               <a:rPr lang="ja-JP" altLang="zh-CN"/>
-              <a:t>閲覧開始</a:t>
-            </a:r>
-            <a:endParaRPr lang="ja-JP" altLang="zh-CN"/>
+              <a:t>閲覧開始、</a:t>
+            </a:r>
+            <a:r>
+              <a:rPr lang="en-US" altLang="ja-JP"/>
+              <a:t>FreeBrower</a:t>
+            </a:r>
+            <a:r>
+              <a:rPr lang="ja-JP" altLang="en-US"/>
+              <a:t>で、</a:t>
+            </a:r>
+            <a:endParaRPr lang="ja-JP" altLang="en-US"/>
           </a:p>
           <a:p>
             <a:pPr marL="0" indent="0">
@@ -3219,7 +3297,15 @@
             </a:r>
             <a:r>
               <a:rPr lang="ja-JP" altLang="zh-CN"/>
-              <a:t>好きな商品の詳細ページへ転移</a:t>
+              <a:t>好きな</a:t>
+            </a:r>
+            <a:r>
+              <a:rPr lang="en-US" altLang="ja-JP"/>
+              <a:t>T-shirts</a:t>
+            </a:r>
+            <a:r>
+              <a:rPr lang="ja-JP" altLang="zh-CN"/>
+              <a:t>商品の詳細ページへ転移</a:t>
             </a:r>
             <a:endParaRPr lang="ja-JP" altLang="zh-CN"/>
           </a:p>
@@ -3289,7 +3375,7 @@
             </a:r>
             <a:r>
               <a:rPr lang="ja-JP" altLang="zh-CN"/>
-              <a:t>購買決定したら終了、アンケート完成</a:t>
+              <a:t>購買決定する終了まで、時間を測る</a:t>
             </a:r>
             <a:endParaRPr lang="ja-JP" altLang="zh-CN"/>
           </a:p>
@@ -4364,9 +4450,21 @@
             <p:ph idx="1"/>
           </p:nvPr>
         </p:nvSpPr>
-        <p:spPr/>
-        <p:txBody>
-          <a:bodyPr/>
+        <p:spPr>
+          <a:xfrm>
+            <a:off x="838200" y="1346200"/>
+            <a:ext cx="10515600" cy="4351338"/>
+          </a:xfrm>
+        </p:spPr>
+        <p:txBody>
+          <a:bodyPr/>
+          <a:p>
+            <a:r>
+              <a:rPr lang="ja-JP" altLang="zh-CN"/>
+              <a:t>閲覧開始から決定まで、すべてのおすすめアイテムデータをチェック</a:t>
+            </a:r>
+            <a:endParaRPr lang="ja-JP" altLang="zh-CN"/>
+          </a:p>
           <a:p>
             <a:r>
               <a:rPr lang="ja-JP" altLang="zh-CN"/>
@@ -4907,8 +5005,12 @@
           <a:bodyPr/>
           <a:p>
             <a:r>
+              <a:rPr lang="en-US" altLang="ja-JP"/>
+              <a:t>TOP</a:t>
+            </a:r>
+            <a:r>
               <a:rPr lang="ja-JP" altLang="zh-CN"/>
-              <a:t>ホームページ閲覧から購</a:t>
+              <a:t>ページ閲覧から購</a:t>
             </a:r>
             <a:r>
               <a:rPr lang="ja-JP" altLang="ja-JP">
